--- a/DOC-20240827-WA0005.sri.pptx
+++ b/DOC-20240827-WA0005.sri.pptx
@@ -5410,7 +5410,7 @@
             <a:fld id="{B61BEF0D-F0BB-DE4B-95CE-6DB70DBA9567}" type="datetimeFigureOut">
               <a:rPr lang="en-US" dirty="0"/>
               <a:pPr/>
-              <a:t>8/27/2024</a:t>
+              <a:t>10/23/2024</a:t>
             </a:fld>
             <a:endParaRPr lang="en-US" dirty="0"/>
           </a:p>
@@ -5658,7 +5658,7 @@
             <a:fld id="{B61BEF0D-F0BB-DE4B-95CE-6DB70DBA9567}" type="datetimeFigureOut">
               <a:rPr lang="en-US" dirty="0"/>
               <a:pPr/>
-              <a:t>8/27/2024</a:t>
+              <a:t>10/23/2024</a:t>
             </a:fld>
             <a:endParaRPr lang="en-US" dirty="0"/>
           </a:p>
@@ -5969,7 +5969,7 @@
             <a:fld id="{B61BEF0D-F0BB-DE4B-95CE-6DB70DBA9567}" type="datetimeFigureOut">
               <a:rPr lang="en-US" dirty="0"/>
               <a:pPr/>
-              <a:t>8/27/2024</a:t>
+              <a:t>10/23/2024</a:t>
             </a:fld>
             <a:endParaRPr lang="en-US" dirty="0"/>
           </a:p>
@@ -6299,7 +6299,7 @@
             <a:fld id="{B61BEF0D-F0BB-DE4B-95CE-6DB70DBA9567}" type="datetimeFigureOut">
               <a:rPr lang="en-US" dirty="0"/>
               <a:pPr/>
-              <a:t>8/27/2024</a:t>
+              <a:t>10/23/2024</a:t>
             </a:fld>
             <a:endParaRPr lang="en-US" dirty="0"/>
           </a:p>
@@ -6610,7 +6610,7 @@
             <a:fld id="{B61BEF0D-F0BB-DE4B-95CE-6DB70DBA9567}" type="datetimeFigureOut">
               <a:rPr lang="en-US" dirty="0"/>
               <a:pPr/>
-              <a:t>8/27/2024</a:t>
+              <a:t>10/23/2024</a:t>
             </a:fld>
             <a:endParaRPr lang="en-US" dirty="0"/>
           </a:p>
@@ -7000,7 +7000,7 @@
             <a:fld id="{B61BEF0D-F0BB-DE4B-95CE-6DB70DBA9567}" type="datetimeFigureOut">
               <a:rPr lang="en-US" dirty="0"/>
               <a:pPr/>
-              <a:t>8/27/2024</a:t>
+              <a:t>10/23/2024</a:t>
             </a:fld>
             <a:endParaRPr lang="en-US" dirty="0"/>
           </a:p>
@@ -7166,7 +7166,7 @@
           <a:p>
             <a:fld id="{55C6B4A9-1611-4792-9094-5F34BCA07E0B}" type="datetimeFigureOut">
               <a:rPr lang="en-US" dirty="0"/>
-              <a:t>8/27/2024</a:t>
+              <a:t>10/23/2024</a:t>
             </a:fld>
             <a:endParaRPr lang="en-US" dirty="0"/>
           </a:p>
@@ -7342,7 +7342,7 @@
             <a:fld id="{B61BEF0D-F0BB-DE4B-95CE-6DB70DBA9567}" type="datetimeFigureOut">
               <a:rPr lang="en-US" dirty="0"/>
               <a:pPr/>
-              <a:t>8/27/2024</a:t>
+              <a:t>10/23/2024</a:t>
             </a:fld>
             <a:endParaRPr lang="en-US" dirty="0"/>
           </a:p>
@@ -7508,7 +7508,7 @@
           <a:p>
             <a:fld id="{42A54C80-263E-416B-A8E0-580EDEADCBDC}" type="datetimeFigureOut">
               <a:rPr lang="en-US" dirty="0"/>
-              <a:t>8/27/2024</a:t>
+              <a:t>10/23/2024</a:t>
             </a:fld>
             <a:endParaRPr lang="en-US" dirty="0"/>
           </a:p>
@@ -7751,7 +7751,7 @@
             <a:fld id="{B61BEF0D-F0BB-DE4B-95CE-6DB70DBA9567}" type="datetimeFigureOut">
               <a:rPr lang="en-US" dirty="0"/>
               <a:pPr/>
-              <a:t>8/27/2024</a:t>
+              <a:t>10/23/2024</a:t>
             </a:fld>
             <a:endParaRPr lang="en-US" dirty="0"/>
           </a:p>
@@ -7979,7 +7979,7 @@
           <a:p>
             <a:fld id="{42A54C80-263E-416B-A8E0-580EDEADCBDC}" type="datetimeFigureOut">
               <a:rPr lang="en-US" dirty="0"/>
-              <a:t>8/27/2024</a:t>
+              <a:t>10/23/2024</a:t>
             </a:fld>
             <a:endParaRPr lang="en-US" dirty="0"/>
           </a:p>
@@ -8349,7 +8349,7 @@
             <a:fld id="{B61BEF0D-F0BB-DE4B-95CE-6DB70DBA9567}" type="datetimeFigureOut">
               <a:rPr lang="en-US" dirty="0"/>
               <a:pPr/>
-              <a:t>8/27/2024</a:t>
+              <a:t>10/23/2024</a:t>
             </a:fld>
             <a:endParaRPr lang="en-US" dirty="0"/>
           </a:p>
@@ -8469,7 +8469,7 @@
             <a:fld id="{B61BEF0D-F0BB-DE4B-95CE-6DB70DBA9567}" type="datetimeFigureOut">
               <a:rPr lang="en-US" dirty="0"/>
               <a:pPr/>
-              <a:t>8/27/2024</a:t>
+              <a:t>10/23/2024</a:t>
             </a:fld>
             <a:endParaRPr lang="en-US" dirty="0"/>
           </a:p>
@@ -8561,7 +8561,7 @@
             <a:fld id="{B61BEF0D-F0BB-DE4B-95CE-6DB70DBA9567}" type="datetimeFigureOut">
               <a:rPr lang="en-US" dirty="0"/>
               <a:pPr/>
-              <a:t>8/27/2024</a:t>
+              <a:t>10/23/2024</a:t>
             </a:fld>
             <a:endParaRPr lang="en-US" dirty="0"/>
           </a:p>
@@ -8812,7 +8812,7 @@
           <a:p>
             <a:fld id="{42A54C80-263E-416B-A8E0-580EDEADCBDC}" type="datetimeFigureOut">
               <a:rPr lang="en-US" dirty="0"/>
-              <a:t>8/27/2024</a:t>
+              <a:t>10/23/2024</a:t>
             </a:fld>
             <a:endParaRPr lang="en-US" dirty="0"/>
           </a:p>
@@ -9114,7 +9114,7 @@
             <a:fld id="{B61BEF0D-F0BB-DE4B-95CE-6DB70DBA9567}" type="datetimeFigureOut">
               <a:rPr lang="en-US" dirty="0"/>
               <a:pPr/>
-              <a:t>8/27/2024</a:t>
+              <a:t>10/23/2024</a:t>
             </a:fld>
             <a:endParaRPr lang="en-US" dirty="0"/>
           </a:p>
@@ -9812,7 +9812,7 @@
             <a:fld id="{B61BEF0D-F0BB-DE4B-95CE-6DB70DBA9567}" type="datetimeFigureOut">
               <a:rPr lang="en-US" dirty="0"/>
               <a:pPr/>
-              <a:t>8/27/2024</a:t>
+              <a:t>10/23/2024</a:t>
             </a:fld>
             <a:endParaRPr lang="en-US" dirty="0"/>
           </a:p>
@@ -10412,14 +10412,14 @@
                 <a:latin typeface="Times New Roman" panose="02020603050405020304" pitchFamily="18" charset="0"/>
                 <a:cs typeface="Times New Roman" panose="02020603050405020304" pitchFamily="18" charset="0"/>
               </a:rPr>
-              <a:t>Y: </a:t>
+              <a:t>Y: M.</a:t>
             </a:r>
             <a:r>
               <a:rPr lang="en-US" sz="2400" dirty="0">
                 <a:latin typeface="Times New Roman" panose="02020603050405020304" pitchFamily="18" charset="0"/>
                 <a:cs typeface="Times New Roman" panose="02020603050405020304" pitchFamily="18" charset="0"/>
               </a:rPr>
-              <a:t>M.SRINITHI</a:t>
+              <a:t>Srinithi </a:t>
             </a:r>
           </a:p>
           <a:p>
@@ -10455,14 +10455,14 @@
                 <a:latin typeface="Times New Roman" panose="02020603050405020304" pitchFamily="18" charset="0"/>
                 <a:cs typeface="Times New Roman" panose="02020603050405020304" pitchFamily="18" charset="0"/>
               </a:rPr>
-              <a:t>USERNAME:</a:t>
+              <a:t>USERNAME:asunm1475312214</a:t>
             </a:r>
             <a:r>
               <a:rPr lang="en-US" sz="2400" dirty="0">
                 <a:latin typeface="Times New Roman" panose="02020603050405020304" pitchFamily="18" charset="0"/>
                 <a:cs typeface="Times New Roman" panose="02020603050405020304" pitchFamily="18" charset="0"/>
               </a:rPr>
-              <a:t>asunm1475312214804</a:t>
+              <a:t>804</a:t>
             </a:r>
             <a:endParaRPr lang="en-GB" sz="2400" dirty="0">
               <a:latin typeface="Times New Roman" panose="02020603050405020304" pitchFamily="18" charset="0"/>
@@ -10580,10 +10580,10 @@
       </p:sp>
       <p:pic>
         <p:nvPicPr>
-          <p:cNvPr id="9" name="Picture 8">
+          <p:cNvPr id="6" name="Picture 5">
             <a:extLst>
               <a:ext uri="{FF2B5EF4-FFF2-40B4-BE49-F238E27FC236}">
-                <a16:creationId xmlns:a16="http://schemas.microsoft.com/office/drawing/2014/main" id="{C3C3D678-8ACF-1361-2D96-380706FB1DEE}"/>
+                <a16:creationId xmlns:a16="http://schemas.microsoft.com/office/drawing/2014/main" id="{3288A1C3-3D7F-66F2-155B-48F202337E79}"/>
               </a:ext>
             </a:extLst>
           </p:cNvPr>
@@ -10600,8 +10600,8 @@
         </p:blipFill>
         <p:spPr>
           <a:xfrm>
-            <a:off x="1632857" y="1509856"/>
-            <a:ext cx="8926286" cy="5076207"/>
+            <a:off x="2992329" y="1417878"/>
+            <a:ext cx="6758835" cy="4244930"/>
           </a:xfrm>
           <a:prstGeom prst="rect">
             <a:avLst/>
